--- a/1125.pptx
+++ b/1125.pptx
@@ -10,12 +10,6 @@
     <p:sldId id="258" r:id="rId4"/>
     <p:sldId id="259" r:id="rId5"/>
     <p:sldId id="260" r:id="rId6"/>
-    <p:sldId id="261" r:id="rId7"/>
-    <p:sldId id="262" r:id="rId8"/>
-    <p:sldId id="263" r:id="rId9"/>
-    <p:sldId id="264" r:id="rId10"/>
-    <p:sldId id="265" r:id="rId11"/>
-    <p:sldId id="266" r:id="rId12"/>
   </p:sldIdLst>
   <p:sldSz cx="12192000" cy="6858000"/>
   <p:notesSz cx="6858000" cy="9144000"/>
@@ -114,6 +108,11 @@
       </a:defRPr>
     </a:lvl9pPr>
   </p:defaultTextStyle>
+  <p:extLst>
+    <p:ext uri="{EFAFB233-063F-42B5-8137-9DF3F51BA10A}">
+      <p15:sldGuideLst xmlns:p15="http://schemas.microsoft.com/office/powerpoint/2012/main"/>
+    </p:ext>
+  </p:extLst>
 </p:presentation>
 </file>
 
@@ -3398,166 +3397,6 @@
 </p:sld>
 </file>
 
-<file path=ppt/slides/slide10.xml><?xml version="1.0" encoding="utf-8"?>
-<p:sld xmlns:a="http://schemas.openxmlformats.org/drawingml/2006/main" xmlns:r="http://schemas.openxmlformats.org/officeDocument/2006/relationships" xmlns:p="http://schemas.openxmlformats.org/presentationml/2006/main">
-  <p:cSld>
-    <p:spTree>
-      <p:nvGrpSpPr>
-        <p:cNvPr id="1" name=""/>
-        <p:cNvGrpSpPr/>
-        <p:nvPr/>
-      </p:nvGrpSpPr>
-      <p:grpSpPr>
-        <a:xfrm>
-          <a:off x="0" y="0"/>
-          <a:ext cx="0" cy="0"/>
-          <a:chOff x="0" y="0"/>
-          <a:chExt cx="0" cy="0"/>
-        </a:xfrm>
-      </p:grpSpPr>
-      <p:sp>
-        <p:nvSpPr>
-          <p:cNvPr id="2" name="제목 1">
-            <a:extLst>
-              <a:ext uri="{FF2B5EF4-FFF2-40B4-BE49-F238E27FC236}">
-                <a16:creationId xmlns:a16="http://schemas.microsoft.com/office/drawing/2014/main" id="{6578D12E-6584-42A0-8661-8EC9EDE2BDF9}"/>
-              </a:ext>
-            </a:extLst>
-          </p:cNvPr>
-          <p:cNvSpPr>
-            <a:spLocks noGrp="1"/>
-          </p:cNvSpPr>
-          <p:nvPr>
-            <p:ph type="title"/>
-          </p:nvPr>
-        </p:nvSpPr>
-        <p:spPr/>
-        <p:txBody>
-          <a:bodyPr/>
-          <a:lstStyle/>
-          <a:p>
-            <a:endParaRPr lang="ko-KR" altLang="en-US"/>
-          </a:p>
-        </p:txBody>
-      </p:sp>
-      <p:sp>
-        <p:nvSpPr>
-          <p:cNvPr id="3" name="내용 개체 틀 2">
-            <a:extLst>
-              <a:ext uri="{FF2B5EF4-FFF2-40B4-BE49-F238E27FC236}">
-                <a16:creationId xmlns:a16="http://schemas.microsoft.com/office/drawing/2014/main" id="{6EB43E61-80C7-48DC-AB88-152273FFE10F}"/>
-              </a:ext>
-            </a:extLst>
-          </p:cNvPr>
-          <p:cNvSpPr>
-            <a:spLocks noGrp="1"/>
-          </p:cNvSpPr>
-          <p:nvPr>
-            <p:ph idx="1"/>
-          </p:nvPr>
-        </p:nvSpPr>
-        <p:spPr/>
-        <p:txBody>
-          <a:bodyPr/>
-          <a:lstStyle/>
-          <a:p>
-            <a:endParaRPr lang="ko-KR" altLang="en-US"/>
-          </a:p>
-        </p:txBody>
-      </p:sp>
-    </p:spTree>
-    <p:extLst>
-      <p:ext uri="{BB962C8B-B14F-4D97-AF65-F5344CB8AC3E}">
-        <p14:creationId xmlns:p14="http://schemas.microsoft.com/office/powerpoint/2010/main" val="938419319"/>
-      </p:ext>
-    </p:extLst>
-  </p:cSld>
-  <p:clrMapOvr>
-    <a:masterClrMapping/>
-  </p:clrMapOvr>
-</p:sld>
-</file>
-
-<file path=ppt/slides/slide11.xml><?xml version="1.0" encoding="utf-8"?>
-<p:sld xmlns:a="http://schemas.openxmlformats.org/drawingml/2006/main" xmlns:r="http://schemas.openxmlformats.org/officeDocument/2006/relationships" xmlns:p="http://schemas.openxmlformats.org/presentationml/2006/main">
-  <p:cSld>
-    <p:spTree>
-      <p:nvGrpSpPr>
-        <p:cNvPr id="1" name=""/>
-        <p:cNvGrpSpPr/>
-        <p:nvPr/>
-      </p:nvGrpSpPr>
-      <p:grpSpPr>
-        <a:xfrm>
-          <a:off x="0" y="0"/>
-          <a:ext cx="0" cy="0"/>
-          <a:chOff x="0" y="0"/>
-          <a:chExt cx="0" cy="0"/>
-        </a:xfrm>
-      </p:grpSpPr>
-      <p:sp>
-        <p:nvSpPr>
-          <p:cNvPr id="2" name="제목 1">
-            <a:extLst>
-              <a:ext uri="{FF2B5EF4-FFF2-40B4-BE49-F238E27FC236}">
-                <a16:creationId xmlns:a16="http://schemas.microsoft.com/office/drawing/2014/main" id="{E3EDF82A-DB21-4134-8E68-76EA7E5E6D7C}"/>
-              </a:ext>
-            </a:extLst>
-          </p:cNvPr>
-          <p:cNvSpPr>
-            <a:spLocks noGrp="1"/>
-          </p:cNvSpPr>
-          <p:nvPr>
-            <p:ph type="title"/>
-          </p:nvPr>
-        </p:nvSpPr>
-        <p:spPr/>
-        <p:txBody>
-          <a:bodyPr/>
-          <a:lstStyle/>
-          <a:p>
-            <a:endParaRPr lang="ko-KR" altLang="en-US"/>
-          </a:p>
-        </p:txBody>
-      </p:sp>
-      <p:sp>
-        <p:nvSpPr>
-          <p:cNvPr id="3" name="내용 개체 틀 2">
-            <a:extLst>
-              <a:ext uri="{FF2B5EF4-FFF2-40B4-BE49-F238E27FC236}">
-                <a16:creationId xmlns:a16="http://schemas.microsoft.com/office/drawing/2014/main" id="{2A7B1E0C-C208-4458-8BDB-299BE0D48801}"/>
-              </a:ext>
-            </a:extLst>
-          </p:cNvPr>
-          <p:cNvSpPr>
-            <a:spLocks noGrp="1"/>
-          </p:cNvSpPr>
-          <p:nvPr>
-            <p:ph idx="1"/>
-          </p:nvPr>
-        </p:nvSpPr>
-        <p:spPr/>
-        <p:txBody>
-          <a:bodyPr/>
-          <a:lstStyle/>
-          <a:p>
-            <a:endParaRPr lang="ko-KR" altLang="en-US"/>
-          </a:p>
-        </p:txBody>
-      </p:sp>
-    </p:spTree>
-    <p:extLst>
-      <p:ext uri="{BB962C8B-B14F-4D97-AF65-F5344CB8AC3E}">
-        <p14:creationId xmlns:p14="http://schemas.microsoft.com/office/powerpoint/2010/main" val="3981214270"/>
-      </p:ext>
-    </p:extLst>
-  </p:cSld>
-  <p:clrMapOvr>
-    <a:masterClrMapping/>
-  </p:clrMapOvr>
-</p:sld>
-</file>
-
 <file path=ppt/slides/slide2.xml><?xml version="1.0" encoding="utf-8"?>
 <p:sld xmlns:a="http://schemas.openxmlformats.org/drawingml/2006/main" xmlns:r="http://schemas.openxmlformats.org/officeDocument/2006/relationships" xmlns:p="http://schemas.openxmlformats.org/presentationml/2006/main">
   <p:cSld>
@@ -4552,326 +4391,6 @@
     <p:extLst>
       <p:ext uri="{BB962C8B-B14F-4D97-AF65-F5344CB8AC3E}">
         <p14:creationId xmlns:p14="http://schemas.microsoft.com/office/powerpoint/2010/main" val="1889533929"/>
-      </p:ext>
-    </p:extLst>
-  </p:cSld>
-  <p:clrMapOvr>
-    <a:masterClrMapping/>
-  </p:clrMapOvr>
-</p:sld>
-</file>
-
-<file path=ppt/slides/slide6.xml><?xml version="1.0" encoding="utf-8"?>
-<p:sld xmlns:a="http://schemas.openxmlformats.org/drawingml/2006/main" xmlns:r="http://schemas.openxmlformats.org/officeDocument/2006/relationships" xmlns:p="http://schemas.openxmlformats.org/presentationml/2006/main">
-  <p:cSld>
-    <p:spTree>
-      <p:nvGrpSpPr>
-        <p:cNvPr id="1" name=""/>
-        <p:cNvGrpSpPr/>
-        <p:nvPr/>
-      </p:nvGrpSpPr>
-      <p:grpSpPr>
-        <a:xfrm>
-          <a:off x="0" y="0"/>
-          <a:ext cx="0" cy="0"/>
-          <a:chOff x="0" y="0"/>
-          <a:chExt cx="0" cy="0"/>
-        </a:xfrm>
-      </p:grpSpPr>
-      <p:sp>
-        <p:nvSpPr>
-          <p:cNvPr id="2" name="제목 1">
-            <a:extLst>
-              <a:ext uri="{FF2B5EF4-FFF2-40B4-BE49-F238E27FC236}">
-                <a16:creationId xmlns:a16="http://schemas.microsoft.com/office/drawing/2014/main" id="{37D3A56D-E645-48EF-A439-88AD09BF3CCE}"/>
-              </a:ext>
-            </a:extLst>
-          </p:cNvPr>
-          <p:cNvSpPr>
-            <a:spLocks noGrp="1"/>
-          </p:cNvSpPr>
-          <p:nvPr>
-            <p:ph type="title"/>
-          </p:nvPr>
-        </p:nvSpPr>
-        <p:spPr/>
-        <p:txBody>
-          <a:bodyPr/>
-          <a:lstStyle/>
-          <a:p>
-            <a:endParaRPr lang="ko-KR" altLang="en-US"/>
-          </a:p>
-        </p:txBody>
-      </p:sp>
-      <p:sp>
-        <p:nvSpPr>
-          <p:cNvPr id="3" name="내용 개체 틀 2">
-            <a:extLst>
-              <a:ext uri="{FF2B5EF4-FFF2-40B4-BE49-F238E27FC236}">
-                <a16:creationId xmlns:a16="http://schemas.microsoft.com/office/drawing/2014/main" id="{2C6354DC-6348-47E9-B339-7D5EF6BAA446}"/>
-              </a:ext>
-            </a:extLst>
-          </p:cNvPr>
-          <p:cNvSpPr>
-            <a:spLocks noGrp="1"/>
-          </p:cNvSpPr>
-          <p:nvPr>
-            <p:ph idx="1"/>
-          </p:nvPr>
-        </p:nvSpPr>
-        <p:spPr/>
-        <p:txBody>
-          <a:bodyPr/>
-          <a:lstStyle/>
-          <a:p>
-            <a:endParaRPr lang="ko-KR" altLang="en-US"/>
-          </a:p>
-        </p:txBody>
-      </p:sp>
-    </p:spTree>
-    <p:extLst>
-      <p:ext uri="{BB962C8B-B14F-4D97-AF65-F5344CB8AC3E}">
-        <p14:creationId xmlns:p14="http://schemas.microsoft.com/office/powerpoint/2010/main" val="1074546038"/>
-      </p:ext>
-    </p:extLst>
-  </p:cSld>
-  <p:clrMapOvr>
-    <a:masterClrMapping/>
-  </p:clrMapOvr>
-</p:sld>
-</file>
-
-<file path=ppt/slides/slide7.xml><?xml version="1.0" encoding="utf-8"?>
-<p:sld xmlns:a="http://schemas.openxmlformats.org/drawingml/2006/main" xmlns:r="http://schemas.openxmlformats.org/officeDocument/2006/relationships" xmlns:p="http://schemas.openxmlformats.org/presentationml/2006/main">
-  <p:cSld>
-    <p:spTree>
-      <p:nvGrpSpPr>
-        <p:cNvPr id="1" name=""/>
-        <p:cNvGrpSpPr/>
-        <p:nvPr/>
-      </p:nvGrpSpPr>
-      <p:grpSpPr>
-        <a:xfrm>
-          <a:off x="0" y="0"/>
-          <a:ext cx="0" cy="0"/>
-          <a:chOff x="0" y="0"/>
-          <a:chExt cx="0" cy="0"/>
-        </a:xfrm>
-      </p:grpSpPr>
-      <p:sp>
-        <p:nvSpPr>
-          <p:cNvPr id="2" name="제목 1">
-            <a:extLst>
-              <a:ext uri="{FF2B5EF4-FFF2-40B4-BE49-F238E27FC236}">
-                <a16:creationId xmlns:a16="http://schemas.microsoft.com/office/drawing/2014/main" id="{EE9565A7-FA21-428F-BF52-9FDBB64A2DA6}"/>
-              </a:ext>
-            </a:extLst>
-          </p:cNvPr>
-          <p:cNvSpPr>
-            <a:spLocks noGrp="1"/>
-          </p:cNvSpPr>
-          <p:nvPr>
-            <p:ph type="title"/>
-          </p:nvPr>
-        </p:nvSpPr>
-        <p:spPr/>
-        <p:txBody>
-          <a:bodyPr/>
-          <a:lstStyle/>
-          <a:p>
-            <a:endParaRPr lang="ko-KR" altLang="en-US"/>
-          </a:p>
-        </p:txBody>
-      </p:sp>
-      <p:sp>
-        <p:nvSpPr>
-          <p:cNvPr id="3" name="내용 개체 틀 2">
-            <a:extLst>
-              <a:ext uri="{FF2B5EF4-FFF2-40B4-BE49-F238E27FC236}">
-                <a16:creationId xmlns:a16="http://schemas.microsoft.com/office/drawing/2014/main" id="{F7359447-2CA0-4178-B8AA-CDAE00B1DD13}"/>
-              </a:ext>
-            </a:extLst>
-          </p:cNvPr>
-          <p:cNvSpPr>
-            <a:spLocks noGrp="1"/>
-          </p:cNvSpPr>
-          <p:nvPr>
-            <p:ph idx="1"/>
-          </p:nvPr>
-        </p:nvSpPr>
-        <p:spPr/>
-        <p:txBody>
-          <a:bodyPr/>
-          <a:lstStyle/>
-          <a:p>
-            <a:endParaRPr lang="ko-KR" altLang="en-US"/>
-          </a:p>
-        </p:txBody>
-      </p:sp>
-    </p:spTree>
-    <p:extLst>
-      <p:ext uri="{BB962C8B-B14F-4D97-AF65-F5344CB8AC3E}">
-        <p14:creationId xmlns:p14="http://schemas.microsoft.com/office/powerpoint/2010/main" val="547074493"/>
-      </p:ext>
-    </p:extLst>
-  </p:cSld>
-  <p:clrMapOvr>
-    <a:masterClrMapping/>
-  </p:clrMapOvr>
-</p:sld>
-</file>
-
-<file path=ppt/slides/slide8.xml><?xml version="1.0" encoding="utf-8"?>
-<p:sld xmlns:a="http://schemas.openxmlformats.org/drawingml/2006/main" xmlns:r="http://schemas.openxmlformats.org/officeDocument/2006/relationships" xmlns:p="http://schemas.openxmlformats.org/presentationml/2006/main">
-  <p:cSld>
-    <p:spTree>
-      <p:nvGrpSpPr>
-        <p:cNvPr id="1" name=""/>
-        <p:cNvGrpSpPr/>
-        <p:nvPr/>
-      </p:nvGrpSpPr>
-      <p:grpSpPr>
-        <a:xfrm>
-          <a:off x="0" y="0"/>
-          <a:ext cx="0" cy="0"/>
-          <a:chOff x="0" y="0"/>
-          <a:chExt cx="0" cy="0"/>
-        </a:xfrm>
-      </p:grpSpPr>
-      <p:sp>
-        <p:nvSpPr>
-          <p:cNvPr id="2" name="제목 1">
-            <a:extLst>
-              <a:ext uri="{FF2B5EF4-FFF2-40B4-BE49-F238E27FC236}">
-                <a16:creationId xmlns:a16="http://schemas.microsoft.com/office/drawing/2014/main" id="{59D52290-A3A5-413A-8E17-A24AAFB09239}"/>
-              </a:ext>
-            </a:extLst>
-          </p:cNvPr>
-          <p:cNvSpPr>
-            <a:spLocks noGrp="1"/>
-          </p:cNvSpPr>
-          <p:nvPr>
-            <p:ph type="title"/>
-          </p:nvPr>
-        </p:nvSpPr>
-        <p:spPr/>
-        <p:txBody>
-          <a:bodyPr/>
-          <a:lstStyle/>
-          <a:p>
-            <a:endParaRPr lang="ko-KR" altLang="en-US"/>
-          </a:p>
-        </p:txBody>
-      </p:sp>
-      <p:sp>
-        <p:nvSpPr>
-          <p:cNvPr id="3" name="내용 개체 틀 2">
-            <a:extLst>
-              <a:ext uri="{FF2B5EF4-FFF2-40B4-BE49-F238E27FC236}">
-                <a16:creationId xmlns:a16="http://schemas.microsoft.com/office/drawing/2014/main" id="{8099604D-951B-4F0D-9613-11372EAAE1CB}"/>
-              </a:ext>
-            </a:extLst>
-          </p:cNvPr>
-          <p:cNvSpPr>
-            <a:spLocks noGrp="1"/>
-          </p:cNvSpPr>
-          <p:nvPr>
-            <p:ph idx="1"/>
-          </p:nvPr>
-        </p:nvSpPr>
-        <p:spPr/>
-        <p:txBody>
-          <a:bodyPr/>
-          <a:lstStyle/>
-          <a:p>
-            <a:endParaRPr lang="ko-KR" altLang="en-US"/>
-          </a:p>
-        </p:txBody>
-      </p:sp>
-    </p:spTree>
-    <p:extLst>
-      <p:ext uri="{BB962C8B-B14F-4D97-AF65-F5344CB8AC3E}">
-        <p14:creationId xmlns:p14="http://schemas.microsoft.com/office/powerpoint/2010/main" val="2732598831"/>
-      </p:ext>
-    </p:extLst>
-  </p:cSld>
-  <p:clrMapOvr>
-    <a:masterClrMapping/>
-  </p:clrMapOvr>
-</p:sld>
-</file>
-
-<file path=ppt/slides/slide9.xml><?xml version="1.0" encoding="utf-8"?>
-<p:sld xmlns:a="http://schemas.openxmlformats.org/drawingml/2006/main" xmlns:r="http://schemas.openxmlformats.org/officeDocument/2006/relationships" xmlns:p="http://schemas.openxmlformats.org/presentationml/2006/main">
-  <p:cSld>
-    <p:spTree>
-      <p:nvGrpSpPr>
-        <p:cNvPr id="1" name=""/>
-        <p:cNvGrpSpPr/>
-        <p:nvPr/>
-      </p:nvGrpSpPr>
-      <p:grpSpPr>
-        <a:xfrm>
-          <a:off x="0" y="0"/>
-          <a:ext cx="0" cy="0"/>
-          <a:chOff x="0" y="0"/>
-          <a:chExt cx="0" cy="0"/>
-        </a:xfrm>
-      </p:grpSpPr>
-      <p:sp>
-        <p:nvSpPr>
-          <p:cNvPr id="2" name="제목 1">
-            <a:extLst>
-              <a:ext uri="{FF2B5EF4-FFF2-40B4-BE49-F238E27FC236}">
-                <a16:creationId xmlns:a16="http://schemas.microsoft.com/office/drawing/2014/main" id="{DF238EBA-5FBF-4C6F-A17D-CF07CA0DCCB4}"/>
-              </a:ext>
-            </a:extLst>
-          </p:cNvPr>
-          <p:cNvSpPr>
-            <a:spLocks noGrp="1"/>
-          </p:cNvSpPr>
-          <p:nvPr>
-            <p:ph type="title"/>
-          </p:nvPr>
-        </p:nvSpPr>
-        <p:spPr/>
-        <p:txBody>
-          <a:bodyPr/>
-          <a:lstStyle/>
-          <a:p>
-            <a:endParaRPr lang="ko-KR" altLang="en-US"/>
-          </a:p>
-        </p:txBody>
-      </p:sp>
-      <p:sp>
-        <p:nvSpPr>
-          <p:cNvPr id="3" name="내용 개체 틀 2">
-            <a:extLst>
-              <a:ext uri="{FF2B5EF4-FFF2-40B4-BE49-F238E27FC236}">
-                <a16:creationId xmlns:a16="http://schemas.microsoft.com/office/drawing/2014/main" id="{DA326AE2-1F00-4AC1-A4BF-3AC641F270FA}"/>
-              </a:ext>
-            </a:extLst>
-          </p:cNvPr>
-          <p:cNvSpPr>
-            <a:spLocks noGrp="1"/>
-          </p:cNvSpPr>
-          <p:nvPr>
-            <p:ph idx="1"/>
-          </p:nvPr>
-        </p:nvSpPr>
-        <p:spPr/>
-        <p:txBody>
-          <a:bodyPr/>
-          <a:lstStyle/>
-          <a:p>
-            <a:endParaRPr lang="ko-KR" altLang="en-US"/>
-          </a:p>
-        </p:txBody>
-      </p:sp>
-    </p:spTree>
-    <p:extLst>
-      <p:ext uri="{BB962C8B-B14F-4D97-AF65-F5344CB8AC3E}">
-        <p14:creationId xmlns:p14="http://schemas.microsoft.com/office/powerpoint/2010/main" val="124513610"/>
       </p:ext>
     </p:extLst>
   </p:cSld>
